--- a/Web安全/洞察安全基础课培训PPT/WEB安全-杂类知识.pptx
+++ b/Web安全/洞察安全基础课培训PPT/WEB安全-杂类知识.pptx
@@ -125,6 +125,22 @@
       </a:defRPr>
     </a:lvl9pPr>
   </p:defaultTextStyle>
+  <p:extLst>
+    <p:ext uri="{EFAFB233-063F-42B5-8137-9DF3F51BA10A}">
+      <p15:sldGuideLst xmlns:p15="http://schemas.microsoft.com/office/powerpoint/2012/main">
+        <p15:guide id="1" orient="horz" pos="2160">
+          <p15:clr>
+            <a:srgbClr val="A4A3A4"/>
+          </p15:clr>
+        </p15:guide>
+        <p15:guide id="2" pos="3840">
+          <p15:clr>
+            <a:srgbClr val="A4A3A4"/>
+          </p15:clr>
+        </p15:guide>
+      </p15:sldGuideLst>
+    </p:ext>
+  </p:extLst>
 </p:presentation>
 </file>
 
@@ -262,7 +278,7 @@
           <a:p>
             <a:fld id="{948E82E3-DB0B-4307-9A30-C716EF5DA928}" type="datetimeFigureOut">
               <a:rPr lang="zh-CN" altLang="en-US" smtClean="0"/>
-              <a:t>2017/10/17</a:t>
+              <a:t>2024/12/24</a:t>
             </a:fld>
             <a:endParaRPr lang="zh-CN" altLang="en-US"/>
           </a:p>
@@ -1798,7 +1814,7 @@
           <a:p>
             <a:fld id="{8D26F0EF-18F3-44DC-BB66-1412ED23499C}" type="datetimeFigureOut">
               <a:rPr lang="zh-CN" altLang="en-US" smtClean="0"/>
-              <a:t>2017/10/17</a:t>
+              <a:t>2024/12/24</a:t>
             </a:fld>
             <a:endParaRPr lang="zh-CN" altLang="en-US"/>
           </a:p>
@@ -2001,7 +2017,7 @@
           <a:p>
             <a:fld id="{8D26F0EF-18F3-44DC-BB66-1412ED23499C}" type="datetimeFigureOut">
               <a:rPr lang="zh-CN" altLang="en-US" smtClean="0"/>
-              <a:t>2017/10/17</a:t>
+              <a:t>2024/12/24</a:t>
             </a:fld>
             <a:endParaRPr lang="zh-CN" altLang="en-US"/>
           </a:p>
@@ -2204,7 +2220,7 @@
           <a:p>
             <a:fld id="{8D26F0EF-18F3-44DC-BB66-1412ED23499C}" type="datetimeFigureOut">
               <a:rPr lang="zh-CN" altLang="en-US" smtClean="0"/>
-              <a:t>2017/10/17</a:t>
+              <a:t>2024/12/24</a:t>
             </a:fld>
             <a:endParaRPr lang="zh-CN" altLang="en-US"/>
           </a:p>
@@ -2407,7 +2423,7 @@
           <a:p>
             <a:fld id="{8D26F0EF-18F3-44DC-BB66-1412ED23499C}" type="datetimeFigureOut">
               <a:rPr lang="zh-CN" altLang="en-US" smtClean="0"/>
-              <a:t>2017/10/17</a:t>
+              <a:t>2024/12/24</a:t>
             </a:fld>
             <a:endParaRPr lang="zh-CN" altLang="en-US"/>
           </a:p>
@@ -2677,7 +2693,7 @@
           <a:p>
             <a:fld id="{8D26F0EF-18F3-44DC-BB66-1412ED23499C}" type="datetimeFigureOut">
               <a:rPr lang="zh-CN" altLang="en-US" smtClean="0"/>
-              <a:t>2017/10/17</a:t>
+              <a:t>2024/12/24</a:t>
             </a:fld>
             <a:endParaRPr lang="zh-CN" altLang="en-US"/>
           </a:p>
@@ -2939,7 +2955,7 @@
           <a:p>
             <a:fld id="{8D26F0EF-18F3-44DC-BB66-1412ED23499C}" type="datetimeFigureOut">
               <a:rPr lang="zh-CN" altLang="en-US" smtClean="0"/>
-              <a:t>2017/10/17</a:t>
+              <a:t>2024/12/24</a:t>
             </a:fld>
             <a:endParaRPr lang="zh-CN" altLang="en-US"/>
           </a:p>
@@ -3337,7 +3353,7 @@
           <a:p>
             <a:fld id="{8D26F0EF-18F3-44DC-BB66-1412ED23499C}" type="datetimeFigureOut">
               <a:rPr lang="zh-CN" altLang="en-US" smtClean="0"/>
-              <a:t>2017/10/17</a:t>
+              <a:t>2024/12/24</a:t>
             </a:fld>
             <a:endParaRPr lang="zh-CN" altLang="en-US"/>
           </a:p>
@@ -3481,7 +3497,7 @@
           <a:p>
             <a:fld id="{8D26F0EF-18F3-44DC-BB66-1412ED23499C}" type="datetimeFigureOut">
               <a:rPr lang="zh-CN" altLang="en-US" smtClean="0"/>
-              <a:t>2017/10/17</a:t>
+              <a:t>2024/12/24</a:t>
             </a:fld>
             <a:endParaRPr lang="zh-CN" altLang="en-US"/>
           </a:p>
@@ -3595,7 +3611,7 @@
           <a:p>
             <a:fld id="{8D26F0EF-18F3-44DC-BB66-1412ED23499C}" type="datetimeFigureOut">
               <a:rPr lang="zh-CN" altLang="en-US" smtClean="0"/>
-              <a:t>2017/10/17</a:t>
+              <a:t>2024/12/24</a:t>
             </a:fld>
             <a:endParaRPr lang="zh-CN" altLang="en-US"/>
           </a:p>
@@ -3898,7 +3914,7 @@
           <a:p>
             <a:fld id="{8D26F0EF-18F3-44DC-BB66-1412ED23499C}" type="datetimeFigureOut">
               <a:rPr lang="zh-CN" altLang="en-US" smtClean="0"/>
-              <a:t>2017/10/17</a:t>
+              <a:t>2024/12/24</a:t>
             </a:fld>
             <a:endParaRPr lang="zh-CN" altLang="en-US"/>
           </a:p>
@@ -4178,7 +4194,7 @@
           <a:p>
             <a:fld id="{8D26F0EF-18F3-44DC-BB66-1412ED23499C}" type="datetimeFigureOut">
               <a:rPr lang="zh-CN" altLang="en-US" smtClean="0"/>
-              <a:t>2017/10/17</a:t>
+              <a:t>2024/12/24</a:t>
             </a:fld>
             <a:endParaRPr lang="zh-CN" altLang="en-US"/>
           </a:p>
@@ -4811,13 +4827,6 @@
   <p:clrMapOvr>
     <a:masterClrMapping/>
   </p:clrMapOvr>
-  <p:timing>
-    <p:tnLst>
-      <p:par>
-        <p:cTn id="1" dur="indefinite" restart="never" nodeType="tmRoot"/>
-      </p:par>
-    </p:tnLst>
-  </p:timing>
 </p:sld>
 </file>
 
@@ -5091,13 +5100,6 @@
   <p:clrMapOvr>
     <a:masterClrMapping/>
   </p:clrMapOvr>
-  <p:timing>
-    <p:tnLst>
-      <p:par>
-        <p:cTn id="1" dur="indefinite" restart="never" nodeType="tmRoot"/>
-      </p:par>
-    </p:tnLst>
-  </p:timing>
 </p:sld>
 </file>
 
@@ -5172,25 +5174,8 @@
                 <a:latin typeface="思源黑体 CN Medium" panose="020B0600000000000000" pitchFamily="34" charset="-122"/>
                 <a:ea typeface="思源黑体 CN Medium" panose="020B0600000000000000" pitchFamily="34" charset="-122"/>
               </a:rPr>
-              <a:t>FileStreams.exe append mst.txt vkey C</a:t>
-            </a:r>
-            <a:r>
-              <a:rPr lang="x-none" altLang="en-US" dirty="0" smtClean="0">
-                <a:solidFill>
-                  <a:schemeClr val="bg1"/>
-                </a:solidFill>
-                <a:latin typeface="思源黑体 CN Medium" panose="020B0600000000000000" pitchFamily="34" charset="-122"/>
-                <a:ea typeface="思源黑体 CN Medium" panose="020B0600000000000000" pitchFamily="34" charset="-122"/>
-              </a:rPr>
-              <a:t>:/Users/gh0stkey/Desktop/test/FileStreams.exe</a:t>
-            </a:r>
-            <a:endParaRPr lang="x-none" altLang="en-US" dirty="0">
-              <a:solidFill>
-                <a:schemeClr val="bg1"/>
-              </a:solidFill>
-              <a:latin typeface="思源黑体 CN Medium" panose="020B0600000000000000" pitchFamily="34" charset="-122"/>
-              <a:ea typeface="思源黑体 CN Medium" panose="020B0600000000000000" pitchFamily="34" charset="-122"/>
-            </a:endParaRPr>
+              <a:t>FileStreams.exe append mst.txt vkey C:/Users/gh0stkey/Desktop/test/FileStreams.exe</a:t>
+            </a:r>
           </a:p>
           <a:p>
             <a:endParaRPr lang="x-none" altLang="en-US" dirty="0">
@@ -5388,13 +5373,6 @@
   <p:clrMapOvr>
     <a:masterClrMapping/>
   </p:clrMapOvr>
-  <p:timing>
-    <p:tnLst>
-      <p:par>
-        <p:cTn id="1" dur="indefinite" restart="never" nodeType="tmRoot"/>
-      </p:par>
-    </p:tnLst>
-  </p:timing>
 </p:sld>
 </file>
 
@@ -5457,27 +5435,7 @@
                 <a:latin typeface="思源黑体 CN Medium" panose="020B0600000000000000" pitchFamily="34" charset="-122"/>
                 <a:ea typeface="思源黑体 CN Medium" panose="020B0600000000000000" pitchFamily="34" charset="-122"/>
               </a:rPr>
-              <a:t>顺利的执行了C</a:t>
-            </a:r>
-            <a:r>
-              <a:rPr lang="x-none" altLang="en-US" dirty="0" smtClean="0">
-                <a:solidFill>
-                  <a:schemeClr val="bg1"/>
-                </a:solidFill>
-                <a:latin typeface="思源黑体 CN Medium" panose="020B0600000000000000" pitchFamily="34" charset="-122"/>
-                <a:ea typeface="思源黑体 CN Medium" panose="020B0600000000000000" pitchFamily="34" charset="-122"/>
-              </a:rPr>
-              <a:t>:/Users/gh0stkey/Desktop/test/FileStreams.exe </a:t>
-            </a:r>
-            <a:r>
-              <a:rPr lang="x-none" altLang="en-US" dirty="0">
-                <a:solidFill>
-                  <a:schemeClr val="bg1"/>
-                </a:solidFill>
-                <a:latin typeface="思源黑体 CN Medium" panose="020B0600000000000000" pitchFamily="34" charset="-122"/>
-                <a:ea typeface="思源黑体 CN Medium" panose="020B0600000000000000" pitchFamily="34" charset="-122"/>
-              </a:rPr>
-              <a:t>这个文件。</a:t>
+              <a:t>顺利的执行了C:/Users/gh0stkey/Desktop/test/FileStreams.exe 这个文件。</a:t>
             </a:r>
           </a:p>
           <a:p>
@@ -5579,13 +5537,6 @@
   <p:clrMapOvr>
     <a:masterClrMapping/>
   </p:clrMapOvr>
-  <p:timing>
-    <p:tnLst>
-      <p:par>
-        <p:cTn id="1" dur="indefinite" restart="never" nodeType="tmRoot"/>
-      </p:par>
-    </p:tnLst>
-  </p:timing>
 </p:sld>
 </file>
 
@@ -5845,13 +5796,6 @@
   <p:clrMapOvr>
     <a:masterClrMapping/>
   </p:clrMapOvr>
-  <p:timing>
-    <p:tnLst>
-      <p:par>
-        <p:cTn id="1" dur="indefinite" restart="never" nodeType="tmRoot"/>
-      </p:par>
-    </p:tnLst>
-  </p:timing>
 </p:sld>
 </file>
 
@@ -6003,13 +5947,6 @@
   <p:clrMapOvr>
     <a:masterClrMapping/>
   </p:clrMapOvr>
-  <p:timing>
-    <p:tnLst>
-      <p:par>
-        <p:cTn id="1" dur="indefinite" restart="never" nodeType="tmRoot"/>
-      </p:par>
-    </p:tnLst>
-  </p:timing>
 </p:sld>
 </file>
 
@@ -6117,7 +6054,7 @@
               <a:t>外部JS </a:t>
             </a:r>
             <a:r>
-              <a:rPr lang="en-US" altLang="zh-CN" dirty="0" smtClean="0">
+              <a:rPr lang="en-US" altLang="zh-CN" dirty="0">
                 <a:solidFill>
                   <a:schemeClr val="bg1"/>
                 </a:solidFill>
@@ -6127,44 +6064,44 @@
               <a:t>/</a:t>
             </a:r>
             <a:r>
-              <a:rPr lang="x-none" altLang="en-US" dirty="0" smtClean="0">
+              <a:rPr lang="x-none" altLang="en-US" dirty="0">
                 <a:solidFill>
                   <a:schemeClr val="bg1"/>
                 </a:solidFill>
                 <a:latin typeface="思源黑体 CN Medium" panose="020B0600000000000000" pitchFamily="34" charset="-122"/>
                 <a:ea typeface="思源黑体 CN Medium" panose="020B0600000000000000" pitchFamily="34" charset="-122"/>
               </a:rPr>
-              <a:t> </a:t>
-            </a:r>
-            <a:r>
-              <a:rPr lang="x-none" altLang="en-US" dirty="0">
+              <a:t> 外部CSS </a:t>
+            </a:r>
+            <a:r>
+              <a:rPr lang="en-US" altLang="zh-CN" dirty="0">
                 <a:solidFill>
                   <a:schemeClr val="bg1"/>
                 </a:solidFill>
                 <a:latin typeface="思源黑体 CN Medium" panose="020B0600000000000000" pitchFamily="34" charset="-122"/>
                 <a:ea typeface="思源黑体 CN Medium" panose="020B0600000000000000" pitchFamily="34" charset="-122"/>
               </a:rPr>
-              <a:t>外部CSS </a:t>
-            </a:r>
-            <a:r>
-              <a:rPr lang="en-US" altLang="zh-CN" dirty="0" smtClean="0">
+              <a:t>/</a:t>
+            </a:r>
+            <a:r>
+              <a:rPr lang="x-none" altLang="en-US" dirty="0">
                 <a:solidFill>
                   <a:schemeClr val="bg1"/>
                 </a:solidFill>
                 <a:latin typeface="思源黑体 CN Medium" panose="020B0600000000000000" pitchFamily="34" charset="-122"/>
                 <a:ea typeface="思源黑体 CN Medium" panose="020B0600000000000000" pitchFamily="34" charset="-122"/>
               </a:rPr>
-              <a:t>/</a:t>
-            </a:r>
-            <a:r>
-              <a:rPr lang="x-none" altLang="en-US" dirty="0" smtClean="0">
+              <a:t> 域名商 </a:t>
+            </a:r>
+            <a:r>
+              <a:rPr lang="en-US" altLang="zh-CN" dirty="0">
                 <a:solidFill>
                   <a:schemeClr val="bg1"/>
                 </a:solidFill>
                 <a:latin typeface="思源黑体 CN Medium" panose="020B0600000000000000" pitchFamily="34" charset="-122"/>
                 <a:ea typeface="思源黑体 CN Medium" panose="020B0600000000000000" pitchFamily="34" charset="-122"/>
               </a:rPr>
-              <a:t> </a:t>
+              <a:t>/</a:t>
             </a:r>
             <a:r>
               <a:rPr lang="x-none" altLang="en-US" dirty="0">
@@ -6174,37 +6111,7 @@
                 <a:latin typeface="思源黑体 CN Medium" panose="020B0600000000000000" pitchFamily="34" charset="-122"/>
                 <a:ea typeface="思源黑体 CN Medium" panose="020B0600000000000000" pitchFamily="34" charset="-122"/>
               </a:rPr>
-              <a:t>域名商 </a:t>
-            </a:r>
-            <a:r>
-              <a:rPr lang="en-US" altLang="zh-CN" dirty="0" smtClean="0">
-                <a:solidFill>
-                  <a:schemeClr val="bg1"/>
-                </a:solidFill>
-                <a:latin typeface="思源黑体 CN Medium" panose="020B0600000000000000" pitchFamily="34" charset="-122"/>
-                <a:ea typeface="思源黑体 CN Medium" panose="020B0600000000000000" pitchFamily="34" charset="-122"/>
-              </a:rPr>
-              <a:t>/</a:t>
-            </a:r>
-            <a:r>
-              <a:rPr lang="x-none" altLang="en-US" dirty="0" smtClean="0">
-                <a:solidFill>
-                  <a:schemeClr val="bg1"/>
-                </a:solidFill>
-                <a:latin typeface="思源黑体 CN Medium" panose="020B0600000000000000" pitchFamily="34" charset="-122"/>
-                <a:ea typeface="思源黑体 CN Medium" panose="020B0600000000000000" pitchFamily="34" charset="-122"/>
-              </a:rPr>
-              <a:t> </a:t>
-            </a:r>
-            <a:r>
-              <a:rPr lang="x-none" altLang="en-US" dirty="0">
-                <a:solidFill>
-                  <a:schemeClr val="bg1"/>
-                </a:solidFill>
-                <a:latin typeface="思源黑体 CN Medium" panose="020B0600000000000000" pitchFamily="34" charset="-122"/>
-                <a:ea typeface="思源黑体 CN Medium" panose="020B0600000000000000" pitchFamily="34" charset="-122"/>
-              </a:rPr>
-              <a:t>服务器商</a:t>
+              <a:t> 服务器商</a:t>
             </a:r>
           </a:p>
         </p:txBody>
@@ -6375,9 +6282,27 @@
                 <a:tableStyleId>{5C22544A-7EE6-4342-B048-85BDC9FD1C3A}</a:tableStyleId>
               </a:tblPr>
               <a:tblGrid>
-                <a:gridCol w="3484880"/>
-                <a:gridCol w="3484245"/>
-                <a:gridCol w="3484880"/>
+                <a:gridCol w="3484880">
+                  <a:extLst>
+                    <a:ext uri="{9D8B030D-6E8A-4147-A177-3AD203B41FA5}">
+                      <a16:colId xmlns:a16="http://schemas.microsoft.com/office/drawing/2014/main" val="20000"/>
+                    </a:ext>
+                  </a:extLst>
+                </a:gridCol>
+                <a:gridCol w="3484245">
+                  <a:extLst>
+                    <a:ext uri="{9D8B030D-6E8A-4147-A177-3AD203B41FA5}">
+                      <a16:colId xmlns:a16="http://schemas.microsoft.com/office/drawing/2014/main" val="20001"/>
+                    </a:ext>
+                  </a:extLst>
+                </a:gridCol>
+                <a:gridCol w="3484880">
+                  <a:extLst>
+                    <a:ext uri="{9D8B030D-6E8A-4147-A177-3AD203B41FA5}">
+                      <a16:colId xmlns:a16="http://schemas.microsoft.com/office/drawing/2014/main" val="20002"/>
+                    </a:ext>
+                  </a:extLst>
+                </a:gridCol>
               </a:tblGrid>
               <a:tr h="381000">
                 <a:tc>
@@ -6428,6 +6353,11 @@
                   </a:txBody>
                   <a:tcPr/>
                 </a:tc>
+                <a:extLst>
+                  <a:ext uri="{0D108BD9-81ED-4DB2-BD59-A6C34878D82A}">
+                    <a16:rowId xmlns:a16="http://schemas.microsoft.com/office/drawing/2014/main" val="10000"/>
+                  </a:ext>
+                </a:extLst>
               </a:tr>
               <a:tr h="381000">
                 <a:tc>
@@ -6478,6 +6408,11 @@
                   </a:txBody>
                   <a:tcPr/>
                 </a:tc>
+                <a:extLst>
+                  <a:ext uri="{0D108BD9-81ED-4DB2-BD59-A6C34878D82A}">
+                    <a16:rowId xmlns:a16="http://schemas.microsoft.com/office/drawing/2014/main" val="10001"/>
+                  </a:ext>
+                </a:extLst>
               </a:tr>
               <a:tr h="381000">
                 <a:tc>
@@ -6530,6 +6465,11 @@
                   </a:txBody>
                   <a:tcPr/>
                 </a:tc>
+                <a:extLst>
+                  <a:ext uri="{0D108BD9-81ED-4DB2-BD59-A6C34878D82A}">
+                    <a16:rowId xmlns:a16="http://schemas.microsoft.com/office/drawing/2014/main" val="10002"/>
+                  </a:ext>
+                </a:extLst>
               </a:tr>
               <a:tr h="381000">
                 <a:tc>
@@ -6582,6 +6522,11 @@
                   </a:txBody>
                   <a:tcPr/>
                 </a:tc>
+                <a:extLst>
+                  <a:ext uri="{0D108BD9-81ED-4DB2-BD59-A6C34878D82A}">
+                    <a16:rowId xmlns:a16="http://schemas.microsoft.com/office/drawing/2014/main" val="10003"/>
+                  </a:ext>
+                </a:extLst>
               </a:tr>
               <a:tr h="381000">
                 <a:tc>
@@ -6635,6 +6580,11 @@
                   </a:txBody>
                   <a:tcPr/>
                 </a:tc>
+                <a:extLst>
+                  <a:ext uri="{0D108BD9-81ED-4DB2-BD59-A6C34878D82A}">
+                    <a16:rowId xmlns:a16="http://schemas.microsoft.com/office/drawing/2014/main" val="10004"/>
+                  </a:ext>
+                </a:extLst>
               </a:tr>
               <a:tr h="381000">
                 <a:tc>
@@ -6685,6 +6635,11 @@
                   </a:txBody>
                   <a:tcPr/>
                 </a:tc>
+                <a:extLst>
+                  <a:ext uri="{0D108BD9-81ED-4DB2-BD59-A6C34878D82A}">
+                    <a16:rowId xmlns:a16="http://schemas.microsoft.com/office/drawing/2014/main" val="10005"/>
+                  </a:ext>
+                </a:extLst>
               </a:tr>
             </a:tbl>
           </a:graphicData>
@@ -6695,13 +6650,6 @@
   <p:clrMapOvr>
     <a:masterClrMapping/>
   </p:clrMapOvr>
-  <p:timing>
-    <p:tnLst>
-      <p:par>
-        <p:cTn id="1" dur="indefinite" restart="never" nodeType="tmRoot"/>
-      </p:par>
-    </p:tnLst>
-  </p:timing>
 </p:sld>
 </file>
 
@@ -6759,7 +6707,7 @@
               </a:lnSpc>
             </a:pPr>
             <a:r>
-              <a:rPr lang="zh-CN" altLang="en-US" sz="4800" dirty="0" smtClean="0">
+              <a:rPr lang="zh-CN" altLang="en-US" sz="4800" dirty="0">
                 <a:solidFill>
                   <a:schemeClr val="bg1"/>
                 </a:solidFill>
@@ -6813,27 +6761,8 @@
                 <a:latin typeface="思源黑体 CN Medium" panose="020B0600000000000000" pitchFamily="34" charset="-122"/>
                 <a:ea typeface="思源黑体 CN Medium" panose="020B0600000000000000" pitchFamily="34" charset="-122"/>
               </a:rPr>
-              <a:t>条件竞争漏洞是一种服务器端的漏洞，由于服务器端在处理不同用户的请求时是并发进行的，因此，如果并发处理不当或相关操作逻辑顺序设计的不合理时，将会导致此类问题的发生</a:t>
-            </a:r>
-            <a:r>
-              <a:rPr lang="zh-CN" altLang="en-US" dirty="0" smtClean="0">
-                <a:solidFill>
-                  <a:schemeClr val="bg1"/>
-                </a:solidFill>
-                <a:latin typeface="思源黑体 CN Medium" panose="020B0600000000000000" pitchFamily="34" charset="-122"/>
-                <a:ea typeface="思源黑体 CN Medium" panose="020B0600000000000000" pitchFamily="34" charset="-122"/>
-              </a:rPr>
-              <a:t>。</a:t>
-            </a:r>
-            <a:endParaRPr lang="en-US" altLang="zh-CN" dirty="0" smtClean="0">
-              <a:solidFill>
-                <a:schemeClr val="bg1"/>
-              </a:solidFill>
-              <a:latin typeface="思源黑体 CN Medium" panose="020B0600000000000000" pitchFamily="34" charset="-122"/>
-              <a:ea typeface="思源黑体 CN Medium" panose="020B0600000000000000" pitchFamily="34" charset="-122"/>
-            </a:endParaRPr>
-          </a:p>
-          <a:p>
+              <a:t>条件竞争漏洞是一种服务器端的漏洞，由于服务器端在处理不同用户的请求时是并发进行的，因此，如果并发处理不当或相关操作逻辑顺序设计的不合理时，将会导致此类问题的发生。</a:t>
+            </a:r>
             <a:endParaRPr lang="en-US" altLang="zh-CN" dirty="0">
               <a:solidFill>
                 <a:schemeClr val="bg1"/>
@@ -6843,75 +6772,6 @@
             </a:endParaRPr>
           </a:p>
           <a:p>
-            <a:r>
-              <a:rPr lang="zh-CN" altLang="en-US" dirty="0">
-                <a:solidFill>
-                  <a:schemeClr val="bg1"/>
-                </a:solidFill>
-                <a:latin typeface="思源黑体 CN Medium" panose="020B0600000000000000" pitchFamily="34" charset="-122"/>
-                <a:ea typeface="思源黑体 CN Medium" panose="020B0600000000000000" pitchFamily="34" charset="-122"/>
-              </a:rPr>
-              <a:t>并发的实质是一个物理</a:t>
-            </a:r>
-            <a:r>
-              <a:rPr lang="en-US" altLang="zh-CN" dirty="0">
-                <a:solidFill>
-                  <a:schemeClr val="bg1"/>
-                </a:solidFill>
-                <a:latin typeface="思源黑体 CN Medium" panose="020B0600000000000000" pitchFamily="34" charset="-122"/>
-                <a:ea typeface="思源黑体 CN Medium" panose="020B0600000000000000" pitchFamily="34" charset="-122"/>
-              </a:rPr>
-              <a:t>CPU(</a:t>
-            </a:r>
-            <a:r>
-              <a:rPr lang="zh-CN" altLang="en-US" dirty="0">
-                <a:solidFill>
-                  <a:schemeClr val="bg1"/>
-                </a:solidFill>
-                <a:latin typeface="思源黑体 CN Medium" panose="020B0600000000000000" pitchFamily="34" charset="-122"/>
-                <a:ea typeface="思源黑体 CN Medium" panose="020B0600000000000000" pitchFamily="34" charset="-122"/>
-              </a:rPr>
-              <a:t>也可以多个物理</a:t>
-            </a:r>
-            <a:r>
-              <a:rPr lang="en-US" altLang="zh-CN" dirty="0">
-                <a:solidFill>
-                  <a:schemeClr val="bg1"/>
-                </a:solidFill>
-                <a:latin typeface="思源黑体 CN Medium" panose="020B0600000000000000" pitchFamily="34" charset="-122"/>
-                <a:ea typeface="思源黑体 CN Medium" panose="020B0600000000000000" pitchFamily="34" charset="-122"/>
-              </a:rPr>
-              <a:t>CPU) </a:t>
-            </a:r>
-            <a:r>
-              <a:rPr lang="zh-CN" altLang="en-US" dirty="0">
-                <a:solidFill>
-                  <a:schemeClr val="bg1"/>
-                </a:solidFill>
-                <a:latin typeface="思源黑体 CN Medium" panose="020B0600000000000000" pitchFamily="34" charset="-122"/>
-                <a:ea typeface="思源黑体 CN Medium" panose="020B0600000000000000" pitchFamily="34" charset="-122"/>
-              </a:rPr>
-              <a:t>在若干道程序（或线程）之间多路复用，并发性是对有限物理资源强制行使多用户共享以提高效率</a:t>
-            </a:r>
-            <a:r>
-              <a:rPr lang="zh-CN" altLang="en-US" dirty="0" smtClean="0">
-                <a:solidFill>
-                  <a:schemeClr val="bg1"/>
-                </a:solidFill>
-                <a:latin typeface="思源黑体 CN Medium" panose="020B0600000000000000" pitchFamily="34" charset="-122"/>
-                <a:ea typeface="思源黑体 CN Medium" panose="020B0600000000000000" pitchFamily="34" charset="-122"/>
-              </a:rPr>
-              <a:t>。</a:t>
-            </a:r>
-            <a:endParaRPr lang="en-US" altLang="zh-CN" dirty="0" smtClean="0">
-              <a:solidFill>
-                <a:schemeClr val="bg1"/>
-              </a:solidFill>
-              <a:latin typeface="思源黑体 CN Medium" panose="020B0600000000000000" pitchFamily="34" charset="-122"/>
-              <a:ea typeface="思源黑体 CN Medium" panose="020B0600000000000000" pitchFamily="34" charset="-122"/>
-            </a:endParaRPr>
-          </a:p>
-          <a:p>
             <a:endParaRPr lang="en-US" altLang="zh-CN" dirty="0">
               <a:solidFill>
                 <a:schemeClr val="bg1"/>
@@ -6929,11 +6789,49 @@
                 <a:latin typeface="思源黑体 CN Medium" panose="020B0600000000000000" pitchFamily="34" charset="-122"/>
                 <a:ea typeface="思源黑体 CN Medium" panose="020B0600000000000000" pitchFamily="34" charset="-122"/>
               </a:rPr>
-              <a:t>微观角度：所有的并发处理都有排队等候，唤醒，执行等这样的步骤，在微观上他们都是序列被处理的，如果是同一时刻到达的请求（或线程）也会根据优先级的不同，而先后进入队列排队等候执行。</a:t>
-            </a:r>
-          </a:p>
-          <a:p>
-            <a:endParaRPr lang="en-US" altLang="zh-CN" dirty="0" smtClean="0">
+              <a:t>并发的实质是一个物理</a:t>
+            </a:r>
+            <a:r>
+              <a:rPr lang="en-US" altLang="zh-CN" dirty="0">
+                <a:solidFill>
+                  <a:schemeClr val="bg1"/>
+                </a:solidFill>
+                <a:latin typeface="思源黑体 CN Medium" panose="020B0600000000000000" pitchFamily="34" charset="-122"/>
+                <a:ea typeface="思源黑体 CN Medium" panose="020B0600000000000000" pitchFamily="34" charset="-122"/>
+              </a:rPr>
+              <a:t>CPU(</a:t>
+            </a:r>
+            <a:r>
+              <a:rPr lang="zh-CN" altLang="en-US" dirty="0">
+                <a:solidFill>
+                  <a:schemeClr val="bg1"/>
+                </a:solidFill>
+                <a:latin typeface="思源黑体 CN Medium" panose="020B0600000000000000" pitchFamily="34" charset="-122"/>
+                <a:ea typeface="思源黑体 CN Medium" panose="020B0600000000000000" pitchFamily="34" charset="-122"/>
+              </a:rPr>
+              <a:t>也可以多个物理</a:t>
+            </a:r>
+            <a:r>
+              <a:rPr lang="en-US" altLang="zh-CN" dirty="0">
+                <a:solidFill>
+                  <a:schemeClr val="bg1"/>
+                </a:solidFill>
+                <a:latin typeface="思源黑体 CN Medium" panose="020B0600000000000000" pitchFamily="34" charset="-122"/>
+                <a:ea typeface="思源黑体 CN Medium" panose="020B0600000000000000" pitchFamily="34" charset="-122"/>
+              </a:rPr>
+              <a:t>CPU) </a:t>
+            </a:r>
+            <a:r>
+              <a:rPr lang="zh-CN" altLang="en-US" dirty="0">
+                <a:solidFill>
+                  <a:schemeClr val="bg1"/>
+                </a:solidFill>
+                <a:latin typeface="思源黑体 CN Medium" panose="020B0600000000000000" pitchFamily="34" charset="-122"/>
+                <a:ea typeface="思源黑体 CN Medium" panose="020B0600000000000000" pitchFamily="34" charset="-122"/>
+              </a:rPr>
+              <a:t>在若干道程序（或线程）之间多路复用，并发性是对有限物理资源强制行使多用户共享以提高效率。</a:t>
+            </a:r>
+            <a:endParaRPr lang="en-US" altLang="zh-CN" dirty="0">
               <a:solidFill>
                 <a:schemeClr val="bg1"/>
               </a:solidFill>
@@ -6942,16 +6840,36 @@
             </a:endParaRPr>
           </a:p>
           <a:p>
-            <a:r>
-              <a:rPr lang="zh-CN" altLang="en-US" dirty="0" smtClean="0">
+            <a:endParaRPr lang="en-US" altLang="zh-CN" dirty="0">
+              <a:solidFill>
+                <a:schemeClr val="bg1"/>
+              </a:solidFill>
+              <a:latin typeface="思源黑体 CN Medium" panose="020B0600000000000000" pitchFamily="34" charset="-122"/>
+              <a:ea typeface="思源黑体 CN Medium" panose="020B0600000000000000" pitchFamily="34" charset="-122"/>
+            </a:endParaRPr>
+          </a:p>
+          <a:p>
+            <a:r>
+              <a:rPr lang="zh-CN" altLang="en-US" dirty="0">
                 <a:solidFill>
                   <a:schemeClr val="bg1"/>
                 </a:solidFill>
                 <a:latin typeface="思源黑体 CN Medium" panose="020B0600000000000000" pitchFamily="34" charset="-122"/>
                 <a:ea typeface="思源黑体 CN Medium" panose="020B0600000000000000" pitchFamily="34" charset="-122"/>
               </a:rPr>
-              <a:t>宏观</a:t>
-            </a:r>
+              <a:t>微观角度：所有的并发处理都有排队等候，唤醒，执行等这样的步骤，在微观上他们都是序列被处理的，如果是同一时刻到达的请求（或线程）也会根据优先级的不同，而先后进入队列排队等候执行。</a:t>
+            </a:r>
+          </a:p>
+          <a:p>
+            <a:endParaRPr lang="en-US" altLang="zh-CN" dirty="0">
+              <a:solidFill>
+                <a:schemeClr val="bg1"/>
+              </a:solidFill>
+              <a:latin typeface="思源黑体 CN Medium" panose="020B0600000000000000" pitchFamily="34" charset="-122"/>
+              <a:ea typeface="思源黑体 CN Medium" panose="020B0600000000000000" pitchFamily="34" charset="-122"/>
+            </a:endParaRPr>
+          </a:p>
+          <a:p>
             <a:r>
               <a:rPr lang="zh-CN" altLang="en-US" dirty="0">
                 <a:solidFill>
@@ -6960,7 +6878,7 @@
                 <a:latin typeface="思源黑体 CN Medium" panose="020B0600000000000000" pitchFamily="34" charset="-122"/>
                 <a:ea typeface="思源黑体 CN Medium" panose="020B0600000000000000" pitchFamily="34" charset="-122"/>
               </a:rPr>
-              <a:t>角度：多个几乎同时到达的请求（或线程）在宏观上看就像是同时在被处理。 </a:t>
+              <a:t>宏观角度：多个几乎同时到达的请求（或线程）在宏观上看就像是同时在被处理。 </a:t>
             </a:r>
             <a:endParaRPr lang="x-none" altLang="en-US" dirty="0">
               <a:solidFill>
@@ -7032,13 +6950,6 @@
   <p:clrMapOvr>
     <a:masterClrMapping/>
   </p:clrMapOvr>
-  <p:timing>
-    <p:tnLst>
-      <p:par>
-        <p:cTn id="1" dur="indefinite" restart="never" nodeType="tmRoot"/>
-      </p:par>
-    </p:tnLst>
-  </p:timing>
 </p:sld>
 </file>
 
@@ -7118,8 +7029,8 @@
         </p:nvSpPr>
         <p:spPr>
           <a:xfrm>
-            <a:off x="2320706" y="1451610"/>
-            <a:ext cx="7550589" cy="369332"/>
+            <a:off x="3117801" y="1463485"/>
+            <a:ext cx="5956395" cy="369332"/>
           </a:xfrm>
           <a:prstGeom prst="rect">
             <a:avLst/>
@@ -7138,14 +7049,14 @@
           <a:lstStyle/>
           <a:p>
             <a:r>
-              <a:rPr lang="zh-CN" altLang="en-US" dirty="0" smtClean="0">
+              <a:rPr lang="zh-CN" altLang="en-US" dirty="0">
                 <a:solidFill>
                   <a:schemeClr val="bg1"/>
                 </a:solidFill>
                 <a:latin typeface="思源黑体 CN Medium" panose="020B0600000000000000" pitchFamily="34" charset="-122"/>
                 <a:ea typeface="思源黑体 CN Medium" panose="020B0600000000000000" pitchFamily="34" charset="-122"/>
               </a:rPr>
-              <a:t>今天林晨找我给他打钱他要去做一项有意义的运动来减肥，那就是啪啪啪</a:t>
+              <a:t>今天林晨找我给他打钱他要去做一项有意义的运动来减肥</a:t>
             </a:r>
             <a:endParaRPr lang="x-none" altLang="en-US" dirty="0">
               <a:solidFill>
@@ -7159,152 +7070,34 @@
       </p:sp>
       <p:pic>
         <p:nvPicPr>
-          <p:cNvPr id="2050" name="Picture 2" descr="https://bbs.ichunqiu.com/data/attachment/forum/201706/28/164734byyfyjazarj94fyd.png"/>
+          <p:cNvPr id="2" name="图片 1">
+            <a:extLst>
+              <a:ext uri="{FF2B5EF4-FFF2-40B4-BE49-F238E27FC236}">
+                <a16:creationId xmlns:a16="http://schemas.microsoft.com/office/drawing/2014/main" id="{39B7B05F-07FF-E2B9-94D0-C9A128D35A61}"/>
+              </a:ext>
+            </a:extLst>
+          </p:cNvPr>
           <p:cNvPicPr>
-            <a:picLocks noChangeAspect="1" noChangeArrowheads="1"/>
+            <a:picLocks noChangeAspect="1"/>
           </p:cNvPicPr>
           <p:nvPr/>
         </p:nvPicPr>
         <p:blipFill>
-          <a:blip r:embed="rId3">
-            <a:extLst>
-              <a:ext uri="{28A0092B-C50C-407E-A947-70E740481C1C}">
-                <a14:useLocalDpi xmlns:a14="http://schemas.microsoft.com/office/drawing/2010/main" val="0"/>
-              </a:ext>
-            </a:extLst>
-          </a:blip>
-          <a:srcRect/>
+          <a:blip r:embed="rId3"/>
           <a:stretch>
             <a:fillRect/>
           </a:stretch>
         </p:blipFill>
-        <p:spPr bwMode="auto">
-          <a:xfrm>
-            <a:off x="9145666" y="2845427"/>
-            <a:ext cx="1905000" cy="1905000"/>
-          </a:xfrm>
-          <a:prstGeom prst="rect">
-            <a:avLst/>
-          </a:prstGeom>
-          <a:ln>
-            <a:noFill/>
-          </a:ln>
-          <a:effectLst>
-            <a:softEdge rad="112500"/>
-          </a:effectLst>
-          <a:extLst>
-            <a:ext uri="{909E8E84-426E-40DD-AFC4-6F175D3DCCD1}">
-              <a14:hiddenFill xmlns:a14="http://schemas.microsoft.com/office/drawing/2010/main">
-                <a:solidFill>
-                  <a:srgbClr val="FFFFFF"/>
-                </a:solidFill>
-              </a14:hiddenFill>
-            </a:ext>
-          </a:extLst>
+        <p:spPr>
+          <a:xfrm>
+            <a:off x="3797298" y="2809586"/>
+            <a:ext cx="4597400" cy="2070100"/>
+          </a:xfrm>
+          <a:prstGeom prst="rect">
+            <a:avLst/>
+          </a:prstGeom>
         </p:spPr>
       </p:pic>
-      <p:pic>
-        <p:nvPicPr>
-          <p:cNvPr id="2051" name="Picture 3"/>
-          <p:cNvPicPr>
-            <a:picLocks noChangeAspect="1" noChangeArrowheads="1"/>
-          </p:cNvPicPr>
-          <p:nvPr/>
-        </p:nvPicPr>
-        <p:blipFill>
-          <a:blip r:embed="rId4">
-            <a:extLst>
-              <a:ext uri="{28A0092B-C50C-407E-A947-70E740481C1C}">
-                <a14:useLocalDpi xmlns:a14="http://schemas.microsoft.com/office/drawing/2010/main" val="0"/>
-              </a:ext>
-            </a:extLst>
-          </a:blip>
-          <a:srcRect/>
-          <a:stretch>
-            <a:fillRect/>
-          </a:stretch>
-        </p:blipFill>
-        <p:spPr bwMode="auto">
-          <a:xfrm>
-            <a:off x="895900" y="2748623"/>
-            <a:ext cx="4587875" cy="2065337"/>
-          </a:xfrm>
-          <a:prstGeom prst="rect">
-            <a:avLst/>
-          </a:prstGeom>
-          <a:noFill/>
-          <a:ln>
-            <a:noFill/>
-          </a:ln>
-          <a:effectLst/>
-          <a:extLst>
-            <a:ext uri="{909E8E84-426E-40DD-AFC4-6F175D3DCCD1}">
-              <a14:hiddenFill xmlns:a14="http://schemas.microsoft.com/office/drawing/2010/main">
-                <a:solidFill>
-                  <a:schemeClr val="accent1"/>
-                </a:solidFill>
-              </a14:hiddenFill>
-            </a:ext>
-            <a:ext uri="{91240B29-F687-4F45-9708-019B960494DF}">
-              <a14:hiddenLine xmlns:a14="http://schemas.microsoft.com/office/drawing/2010/main" w="9525">
-                <a:solidFill>
-                  <a:schemeClr val="tx1"/>
-                </a:solidFill>
-                <a:miter lim="800000"/>
-                <a:headEnd/>
-                <a:tailEnd/>
-              </a14:hiddenLine>
-            </a:ext>
-            <a:ext uri="{AF507438-7753-43E0-B8FC-AC1667EBCBE1}">
-              <a14:hiddenEffects xmlns:a14="http://schemas.microsoft.com/office/drawing/2010/main">
-                <a:effectLst>
-                  <a:outerShdw dist="35921" dir="2700000" algn="ctr" rotWithShape="0">
-                    <a:schemeClr val="bg2"/>
-                  </a:outerShdw>
-                </a:effectLst>
-              </a14:hiddenEffects>
-            </a:ext>
-          </a:extLst>
-        </p:spPr>
-      </p:pic>
-      <p:sp>
-        <p:nvSpPr>
-          <p:cNvPr id="5" name="左箭头 4"/>
-          <p:cNvSpPr/>
-          <p:nvPr/>
-        </p:nvSpPr>
-        <p:spPr>
-          <a:xfrm>
-            <a:off x="6387973" y="3603277"/>
-            <a:ext cx="1683945" cy="389301"/>
-          </a:xfrm>
-          <a:prstGeom prst="leftArrow">
-            <a:avLst/>
-          </a:prstGeom>
-        </p:spPr>
-        <p:style>
-          <a:lnRef idx="0">
-            <a:schemeClr val="accent2"/>
-          </a:lnRef>
-          <a:fillRef idx="3">
-            <a:schemeClr val="accent2"/>
-          </a:fillRef>
-          <a:effectRef idx="3">
-            <a:schemeClr val="accent2"/>
-          </a:effectRef>
-          <a:fontRef idx="minor">
-            <a:schemeClr val="lt1"/>
-          </a:fontRef>
-        </p:style>
-        <p:txBody>
-          <a:bodyPr rtlCol="0" anchor="ctr"/>
-          <a:lstStyle/>
-          <a:p>
-            <a:pPr algn="ctr"/>
-            <a:endParaRPr lang="zh-CN" altLang="en-US"/>
-          </a:p>
-        </p:txBody>
-      </p:sp>
     </p:spTree>
     <p:extLst>
       <p:ext uri="{BB962C8B-B14F-4D97-AF65-F5344CB8AC3E}">
@@ -7315,13 +7108,6 @@
   <p:clrMapOvr>
     <a:masterClrMapping/>
   </p:clrMapOvr>
-  <p:timing>
-    <p:tnLst>
-      <p:par>
-        <p:cTn id="1" dur="indefinite" restart="never" nodeType="tmRoot"/>
-      </p:par>
-    </p:tnLst>
-  </p:timing>
 </p:sld>
 </file>
 
@@ -7421,7 +7207,7 @@
           <a:lstStyle/>
           <a:p>
             <a:r>
-              <a:rPr lang="zh-CN" altLang="en-US" dirty="0" smtClean="0">
+              <a:rPr lang="zh-CN" altLang="en-US" dirty="0">
                 <a:solidFill>
                   <a:schemeClr val="bg1"/>
                 </a:solidFill>
@@ -7431,7 +7217,7 @@
               <a:t>可是摸摸口袋发现只有</a:t>
             </a:r>
             <a:r>
-              <a:rPr lang="en-US" altLang="zh-CN" dirty="0" smtClean="0">
+              <a:rPr lang="en-US" altLang="zh-CN" dirty="0">
                 <a:solidFill>
                   <a:schemeClr val="bg1"/>
                 </a:solidFill>
@@ -7441,17 +7227,17 @@
               <a:t>1</a:t>
             </a:r>
             <a:r>
-              <a:rPr lang="zh-CN" altLang="en-US" dirty="0" smtClean="0">
+              <a:rPr lang="zh-CN" altLang="en-US" dirty="0">
                 <a:solidFill>
                   <a:schemeClr val="bg1"/>
                 </a:solidFill>
                 <a:latin typeface="思源黑体 CN Medium" panose="020B0600000000000000" pitchFamily="34" charset="-122"/>
                 <a:ea typeface="思源黑体 CN Medium" panose="020B0600000000000000" pitchFamily="34" charset="-122"/>
               </a:rPr>
-              <a:t>块钱那怎么办呢？？一次啪啪啪最起码</a:t>
-            </a:r>
-            <a:r>
-              <a:rPr lang="en-US" altLang="zh-CN" dirty="0" smtClean="0">
+              <a:t>块钱那怎么办呢？？健身卡最起码</a:t>
+            </a:r>
+            <a:r>
+              <a:rPr lang="en-US" altLang="zh-CN" dirty="0">
                 <a:solidFill>
                   <a:schemeClr val="bg1"/>
                 </a:solidFill>
@@ -7461,14 +7247,14 @@
               <a:t>800</a:t>
             </a:r>
             <a:r>
-              <a:rPr lang="zh-CN" altLang="en-US" dirty="0" smtClean="0">
+              <a:rPr lang="zh-CN" altLang="en-US" dirty="0">
                 <a:solidFill>
                   <a:schemeClr val="bg1"/>
                 </a:solidFill>
                 <a:latin typeface="思源黑体 CN Medium" panose="020B0600000000000000" pitchFamily="34" charset="-122"/>
                 <a:ea typeface="思源黑体 CN Medium" panose="020B0600000000000000" pitchFamily="34" charset="-122"/>
               </a:rPr>
-              <a:t>块钱啊！</a:t>
+              <a:t>块钱起啊！</a:t>
             </a:r>
             <a:endParaRPr lang="x-none" altLang="en-US" dirty="0">
               <a:solidFill>
@@ -7482,7 +7268,7 @@
       </p:sp>
       <p:pic>
         <p:nvPicPr>
-          <p:cNvPr id="3074" name="Picture 2"/>
+          <p:cNvPr id="3075" name="Picture 3"/>
           <p:cNvPicPr>
             <a:picLocks noChangeAspect="1" noChangeArrowheads="1"/>
           </p:cNvPicPr>
@@ -7503,18 +7289,17 @@
         </p:blipFill>
         <p:spPr bwMode="auto">
           <a:xfrm>
-            <a:off x="510922" y="2330581"/>
-            <a:ext cx="2278063" cy="3071813"/>
-          </a:xfrm>
-          <a:prstGeom prst="rect">
-            <a:avLst/>
-          </a:prstGeom>
+            <a:off x="3959393" y="2133352"/>
+            <a:ext cx="4273213" cy="3656279"/>
+          </a:xfrm>
+          <a:prstGeom prst="rect">
+            <a:avLst/>
+          </a:prstGeom>
+          <a:noFill/>
           <a:ln>
             <a:noFill/>
           </a:ln>
-          <a:effectLst>
-            <a:softEdge rad="112500"/>
-          </a:effectLst>
+          <a:effectLst/>
           <a:extLst>
             <a:ext uri="{909E8E84-426E-40DD-AFC4-6F175D3DCCD1}">
               <a14:hiddenFill xmlns:a14="http://schemas.microsoft.com/office/drawing/2010/main">
@@ -7545,108 +7330,6 @@
           </a:extLst>
         </p:spPr>
       </p:pic>
-      <p:pic>
-        <p:nvPicPr>
-          <p:cNvPr id="3075" name="Picture 3"/>
-          <p:cNvPicPr>
-            <a:picLocks noChangeAspect="1" noChangeArrowheads="1"/>
-          </p:cNvPicPr>
-          <p:nvPr/>
-        </p:nvPicPr>
-        <p:blipFill>
-          <a:blip r:embed="rId4">
-            <a:extLst>
-              <a:ext uri="{28A0092B-C50C-407E-A947-70E740481C1C}">
-                <a14:useLocalDpi xmlns:a14="http://schemas.microsoft.com/office/drawing/2010/main" val="0"/>
-              </a:ext>
-            </a:extLst>
-          </a:blip>
-          <a:srcRect/>
-          <a:stretch>
-            <a:fillRect/>
-          </a:stretch>
-        </p:blipFill>
-        <p:spPr bwMode="auto">
-          <a:xfrm>
-            <a:off x="7066564" y="2038349"/>
-            <a:ext cx="4273213" cy="3656279"/>
-          </a:xfrm>
-          <a:prstGeom prst="rect">
-            <a:avLst/>
-          </a:prstGeom>
-          <a:noFill/>
-          <a:ln>
-            <a:noFill/>
-          </a:ln>
-          <a:effectLst/>
-          <a:extLst>
-            <a:ext uri="{909E8E84-426E-40DD-AFC4-6F175D3DCCD1}">
-              <a14:hiddenFill xmlns:a14="http://schemas.microsoft.com/office/drawing/2010/main">
-                <a:solidFill>
-                  <a:schemeClr val="accent1"/>
-                </a:solidFill>
-              </a14:hiddenFill>
-            </a:ext>
-            <a:ext uri="{91240B29-F687-4F45-9708-019B960494DF}">
-              <a14:hiddenLine xmlns:a14="http://schemas.microsoft.com/office/drawing/2010/main" w="9525">
-                <a:solidFill>
-                  <a:schemeClr val="tx1"/>
-                </a:solidFill>
-                <a:miter lim="800000"/>
-                <a:headEnd/>
-                <a:tailEnd/>
-              </a14:hiddenLine>
-            </a:ext>
-            <a:ext uri="{AF507438-7753-43E0-B8FC-AC1667EBCBE1}">
-              <a14:hiddenEffects xmlns:a14="http://schemas.microsoft.com/office/drawing/2010/main">
-                <a:effectLst>
-                  <a:outerShdw dist="35921" dir="2700000" algn="ctr" rotWithShape="0">
-                    <a:schemeClr val="bg2"/>
-                  </a:outerShdw>
-                </a:effectLst>
-              </a14:hiddenEffects>
-            </a:ext>
-          </a:extLst>
-        </p:spPr>
-      </p:pic>
-      <p:sp>
-        <p:nvSpPr>
-          <p:cNvPr id="2" name="右箭头 1"/>
-          <p:cNvSpPr/>
-          <p:nvPr/>
-        </p:nvSpPr>
-        <p:spPr>
-          <a:xfrm>
-            <a:off x="4074817" y="3680892"/>
-            <a:ext cx="1638678" cy="371192"/>
-          </a:xfrm>
-          <a:prstGeom prst="rightArrow">
-            <a:avLst/>
-          </a:prstGeom>
-        </p:spPr>
-        <p:style>
-          <a:lnRef idx="0">
-            <a:schemeClr val="accent2"/>
-          </a:lnRef>
-          <a:fillRef idx="3">
-            <a:schemeClr val="accent2"/>
-          </a:fillRef>
-          <a:effectRef idx="3">
-            <a:schemeClr val="accent2"/>
-          </a:effectRef>
-          <a:fontRef idx="minor">
-            <a:schemeClr val="lt1"/>
-          </a:fontRef>
-        </p:style>
-        <p:txBody>
-          <a:bodyPr rtlCol="0" anchor="ctr"/>
-          <a:lstStyle/>
-          <a:p>
-            <a:pPr algn="ctr"/>
-            <a:endParaRPr lang="zh-CN" altLang="en-US"/>
-          </a:p>
-        </p:txBody>
-      </p:sp>
     </p:spTree>
     <p:extLst>
       <p:ext uri="{BB962C8B-B14F-4D97-AF65-F5344CB8AC3E}">
@@ -7657,13 +7340,6 @@
   <p:clrMapOvr>
     <a:masterClrMapping/>
   </p:clrMapOvr>
-  <p:timing>
-    <p:tnLst>
-      <p:par>
-        <p:cTn id="1" dur="indefinite" restart="never" nodeType="tmRoot"/>
-      </p:par>
-    </p:tnLst>
-  </p:timing>
 </p:sld>
 </file>
 
@@ -7763,7 +7439,7 @@
           <a:lstStyle/>
           <a:p>
             <a:r>
-              <a:rPr lang="zh-CN" altLang="en-US" dirty="0" smtClean="0">
+              <a:rPr lang="zh-CN" altLang="en-US" dirty="0">
                 <a:solidFill>
                   <a:schemeClr val="bg1"/>
                 </a:solidFill>
@@ -7773,7 +7449,7 @@
               <a:t>除了写脚本有什么更简单的利用方法么？当然有，使用神器</a:t>
             </a:r>
             <a:r>
-              <a:rPr lang="en-US" altLang="zh-CN" dirty="0" smtClean="0">
+              <a:rPr lang="en-US" altLang="zh-CN" dirty="0">
                 <a:solidFill>
                   <a:schemeClr val="bg1"/>
                 </a:solidFill>
@@ -7783,7 +7459,7 @@
               <a:t>Fiddler</a:t>
             </a:r>
             <a:r>
-              <a:rPr lang="zh-CN" altLang="en-US" dirty="0" smtClean="0">
+              <a:rPr lang="zh-CN" altLang="en-US" dirty="0">
                 <a:solidFill>
                   <a:schemeClr val="bg1"/>
                 </a:solidFill>
@@ -7859,15 +7535,6 @@
                 <a:tailEnd/>
               </a14:hiddenLine>
             </a:ext>
-            <a:ext uri="{AF507438-7753-43E0-B8FC-AC1667EBCBE1}">
-              <a14:hiddenEffects xmlns:a14="http://schemas.microsoft.com/office/drawing/2010/main">
-                <a:effectLst>
-                  <a:outerShdw dist="35921" dir="2700000" algn="ctr" rotWithShape="0">
-                    <a:schemeClr val="bg2"/>
-                  </a:outerShdw>
-                </a:effectLst>
-              </a14:hiddenEffects>
-            </a:ext>
           </a:extLst>
         </p:spPr>
       </p:pic>
@@ -7881,13 +7548,6 @@
   <p:clrMapOvr>
     <a:masterClrMapping/>
   </p:clrMapOvr>
-  <p:timing>
-    <p:tnLst>
-      <p:par>
-        <p:cTn id="1" dur="indefinite" restart="never" nodeType="tmRoot"/>
-      </p:par>
-    </p:tnLst>
-  </p:timing>
 </p:sld>
 </file>
 
@@ -8050,13 +7710,6 @@
   <p:clrMapOvr>
     <a:masterClrMapping/>
   </p:clrMapOvr>
-  <p:timing>
-    <p:tnLst>
-      <p:par>
-        <p:cTn id="1" dur="indefinite" restart="never" nodeType="tmRoot"/>
-      </p:par>
-    </p:tnLst>
-  </p:timing>
 </p:sld>
 </file>
 
@@ -8742,13 +8395,6 @@
   <p:clrMapOvr>
     <a:masterClrMapping/>
   </p:clrMapOvr>
-  <p:timing>
-    <p:tnLst>
-      <p:par>
-        <p:cTn id="1" dur="indefinite" restart="never" nodeType="tmRoot"/>
-      </p:par>
-    </p:tnLst>
-  </p:timing>
 </p:sld>
 </file>
 
@@ -9014,13 +8660,6 @@
   <p:clrMapOvr>
     <a:masterClrMapping/>
   </p:clrMapOvr>
-  <p:timing>
-    <p:tnLst>
-      <p:par>
-        <p:cTn id="1" dur="indefinite" restart="never" nodeType="tmRoot"/>
-      </p:par>
-    </p:tnLst>
-  </p:timing>
 </p:sld>
 </file>
 
@@ -9240,13 +8879,6 @@
   <p:clrMapOvr>
     <a:masterClrMapping/>
   </p:clrMapOvr>
-  <p:timing>
-    <p:tnLst>
-      <p:par>
-        <p:cTn id="1" dur="indefinite" restart="never" nodeType="tmRoot"/>
-      </p:par>
-    </p:tnLst>
-  </p:timing>
 </p:sld>
 </file>
 
@@ -9448,13 +9080,6 @@
   <p:clrMapOvr>
     <a:masterClrMapping/>
   </p:clrMapOvr>
-  <p:timing>
-    <p:tnLst>
-      <p:par>
-        <p:cTn id="1" dur="indefinite" restart="never" nodeType="tmRoot"/>
-      </p:par>
-    </p:tnLst>
-  </p:timing>
 </p:sld>
 </file>
 
@@ -9688,13 +9313,6 @@
   <p:clrMapOvr>
     <a:masterClrMapping/>
   </p:clrMapOvr>
-  <p:timing>
-    <p:tnLst>
-      <p:par>
-        <p:cTn id="1" dur="indefinite" restart="never" nodeType="tmRoot"/>
-      </p:par>
-    </p:tnLst>
-  </p:timing>
 </p:sld>
 </file>
 
@@ -9955,13 +9573,6 @@
   <p:clrMapOvr>
     <a:masterClrMapping/>
   </p:clrMapOvr>
-  <p:timing>
-    <p:tnLst>
-      <p:par>
-        <p:cTn id="1" dur="indefinite" restart="never" nodeType="tmRoot"/>
-      </p:par>
-    </p:tnLst>
-  </p:timing>
 </p:sld>
 </file>
 
@@ -10247,13 +9858,6 @@
   <p:clrMapOvr>
     <a:masterClrMapping/>
   </p:clrMapOvr>
-  <p:timing>
-    <p:tnLst>
-      <p:par>
-        <p:cTn id="1" dur="indefinite" restart="never" nodeType="tmRoot"/>
-      </p:par>
-    </p:tnLst>
-  </p:timing>
 </p:sld>
 </file>
 
@@ -10512,7 +10116,7 @@
   <a:extraClrSchemeLst/>
   <a:extLst>
     <a:ext uri="{05A4C25C-085E-4340-85A3-A5531E510DB2}">
-      <thm15:themeFamily xmlns="" xmlns:thm15="http://schemas.microsoft.com/office/thememl/2012/main" name="Office Theme" id="{62F939B6-93AF-4DB8-9C6B-D6C7DFDC589F}" vid="{4A3C46E8-61CC-4603-A589-7422A47A8E4A}"/>
+      <thm15:themeFamily xmlns:thm15="http://schemas.microsoft.com/office/thememl/2012/main" name="Office Theme" id="{62F939B6-93AF-4DB8-9C6B-D6C7DFDC589F}" vid="{4A3C46E8-61CC-4603-A589-7422A47A8E4A}"/>
     </a:ext>
   </a:extLst>
 </a:theme>
@@ -10773,7 +10377,7 @@
   <a:extraClrSchemeLst/>
   <a:extLst>
     <a:ext uri="{05A4C25C-085E-4340-85A3-A5531E510DB2}">
-      <thm15:themeFamily xmlns="" xmlns:thm15="http://schemas.microsoft.com/office/thememl/2012/main" name="Office Theme" id="{62F939B6-93AF-4DB8-9C6B-D6C7DFDC589F}" vid="{4A3C46E8-61CC-4603-A589-7422A47A8E4A}"/>
+      <thm15:themeFamily xmlns:thm15="http://schemas.microsoft.com/office/thememl/2012/main" name="Office Theme" id="{62F939B6-93AF-4DB8-9C6B-D6C7DFDC589F}" vid="{4A3C46E8-61CC-4603-A589-7422A47A8E4A}"/>
     </a:ext>
   </a:extLst>
 </a:theme>
